--- a/Vaccine Prediction.pptx
+++ b/Vaccine Prediction.pptx
@@ -5,7 +5,7 @@
     <p:sldMasterId id="2147483660" r:id="rId1"/>
   </p:sldMasterIdLst>
   <p:notesMasterIdLst>
-    <p:notesMasterId r:id="rId13"/>
+    <p:notesMasterId r:id="rId15"/>
   </p:notesMasterIdLst>
   <p:sldIdLst>
     <p:sldId id="256" r:id="rId2"/>
@@ -15,10 +15,12 @@
     <p:sldId id="260" r:id="rId6"/>
     <p:sldId id="264" r:id="rId7"/>
     <p:sldId id="261" r:id="rId8"/>
-    <p:sldId id="266" r:id="rId9"/>
-    <p:sldId id="265" r:id="rId10"/>
-    <p:sldId id="262" r:id="rId11"/>
-    <p:sldId id="263" r:id="rId12"/>
+    <p:sldId id="268" r:id="rId9"/>
+    <p:sldId id="266" r:id="rId10"/>
+    <p:sldId id="267" r:id="rId11"/>
+    <p:sldId id="265" r:id="rId12"/>
+    <p:sldId id="262" r:id="rId13"/>
+    <p:sldId id="263" r:id="rId14"/>
   </p:sldIdLst>
   <p:sldSz cx="12192000" cy="6858000"/>
   <p:notesSz cx="6858000" cy="9144000"/>
@@ -117,6 +119,11 @@
       </a:defRPr>
     </a:lvl9pPr>
   </p:defaultTextStyle>
+  <p:extLst>
+    <p:ext uri="{EFAFB233-063F-42B5-8137-9DF3F51BA10A}">
+      <p15:sldGuideLst xmlns:p15="http://schemas.microsoft.com/office/powerpoint/2012/main"/>
+    </p:ext>
+  </p:extLst>
 </p:presentation>
 </file>
 
@@ -667,7 +674,7 @@
           <a:p>
             <a:fld id="{F7021451-1387-4CA6-816F-3879F97B5CBC}" type="slidenum">
               <a:rPr lang="en-US"/>
-              <a:t>9</a:t>
+              <a:t>11</a:t>
             </a:fld>
             <a:endParaRPr lang="en-US"/>
           </a:p>
@@ -1747,7 +1754,7 @@
           </a:prstGeom>
           <a:extLst>
             <a:ext uri="{C572A759-6A51-4108-AA02-DFA0A04FC94B}">
-              <ma14:wrappingTextBoxFlag xmlns="" xmlns:ma14="http://schemas.microsoft.com/office/mac/drawingml/2011/main" val="0"/>
+              <ma14:wrappingTextBoxFlag xmlns:ma14="http://schemas.microsoft.com/office/mac/drawingml/2011/main" xmlns="" val="0"/>
             </a:ext>
           </a:extLst>
         </p:spPr>
@@ -6964,6 +6971,188 @@
   <p:cSld>
     <p:spTree>
       <p:nvGrpSpPr>
+        <p:cNvPr id="1" name="">
+          <a:extLst>
+            <a:ext uri="{FF2B5EF4-FFF2-40B4-BE49-F238E27FC236}">
+              <a16:creationId xmlns:a16="http://schemas.microsoft.com/office/drawing/2014/main" id="{53AE2CDC-C4DC-E7A8-CF61-F23D3AA76C83}"/>
+            </a:ext>
+          </a:extLst>
+        </p:cNvPr>
+        <p:cNvGrpSpPr/>
+        <p:nvPr/>
+      </p:nvGrpSpPr>
+      <p:grpSpPr>
+        <a:xfrm>
+          <a:off x="0" y="0"/>
+          <a:ext cx="0" cy="0"/>
+          <a:chOff x="0" y="0"/>
+          <a:chExt cx="0" cy="0"/>
+        </a:xfrm>
+      </p:grpSpPr>
+      <p:sp>
+        <p:nvSpPr>
+          <p:cNvPr id="2" name="Footer Placeholder 1">
+            <a:extLst>
+              <a:ext uri="{FF2B5EF4-FFF2-40B4-BE49-F238E27FC236}">
+                <a16:creationId xmlns:a16="http://schemas.microsoft.com/office/drawing/2014/main" id="{118F40F3-1B6F-D5D3-A74F-BE154BDCBBC4}"/>
+              </a:ext>
+            </a:extLst>
+          </p:cNvPr>
+          <p:cNvSpPr>
+            <a:spLocks noGrp="1"/>
+          </p:cNvSpPr>
+          <p:nvPr>
+            <p:ph type="ftr" sz="quarter" idx="15"/>
+          </p:nvPr>
+        </p:nvSpPr>
+        <p:spPr/>
+        <p:txBody>
+          <a:bodyPr/>
+          <a:lstStyle/>
+          <a:p>
+            <a:r>
+              <a:rPr lang="en-US"/>
+              <a:t>Presentation title</a:t>
+            </a:r>
+            <a:endParaRPr lang="en-ID" dirty="0"/>
+          </a:p>
+        </p:txBody>
+      </p:sp>
+      <p:sp>
+        <p:nvSpPr>
+          <p:cNvPr id="3" name="Slide Number Placeholder 2">
+            <a:extLst>
+              <a:ext uri="{FF2B5EF4-FFF2-40B4-BE49-F238E27FC236}">
+                <a16:creationId xmlns:a16="http://schemas.microsoft.com/office/drawing/2014/main" id="{CF286836-AFA0-F4D3-9700-E0219591D3A2}"/>
+              </a:ext>
+            </a:extLst>
+          </p:cNvPr>
+          <p:cNvSpPr>
+            <a:spLocks noGrp="1"/>
+          </p:cNvSpPr>
+          <p:nvPr>
+            <p:ph type="sldNum" sz="quarter" idx="16"/>
+          </p:nvPr>
+        </p:nvSpPr>
+        <p:spPr/>
+        <p:txBody>
+          <a:bodyPr/>
+          <a:lstStyle/>
+          <a:p>
+            <a:fld id="{5E0C3BBE-9543-48E5-A6E1-C646F9A01966}" type="slidenum">
+              <a:rPr lang="en-ID" smtClean="0"/>
+              <a:pPr/>
+              <a:t>10</a:t>
+            </a:fld>
+            <a:endParaRPr lang="en-ID" dirty="0"/>
+          </a:p>
+        </p:txBody>
+      </p:sp>
+      <p:sp>
+        <p:nvSpPr>
+          <p:cNvPr id="11" name="Title 10">
+            <a:extLst>
+              <a:ext uri="{FF2B5EF4-FFF2-40B4-BE49-F238E27FC236}">
+                <a16:creationId xmlns:a16="http://schemas.microsoft.com/office/drawing/2014/main" id="{53D159DE-04A0-19D1-2D7C-6974E25209FE}"/>
+              </a:ext>
+            </a:extLst>
+          </p:cNvPr>
+          <p:cNvSpPr>
+            <a:spLocks noGrp="1"/>
+          </p:cNvSpPr>
+          <p:nvPr>
+            <p:ph type="ctrTitle"/>
+          </p:nvPr>
+        </p:nvSpPr>
+        <p:spPr>
+          <a:xfrm>
+            <a:off x="2667000" y="206829"/>
+            <a:ext cx="7990114" cy="1260635"/>
+          </a:xfrm>
+        </p:spPr>
+        <p:txBody>
+          <a:bodyPr/>
+          <a:lstStyle/>
+          <a:p>
+            <a:r>
+              <a:rPr lang="en-US" dirty="0"/>
+              <a:t>High Risk Groups</a:t>
+            </a:r>
+          </a:p>
+        </p:txBody>
+      </p:sp>
+      <p:pic>
+        <p:nvPicPr>
+          <p:cNvPr id="7" name="Picture Placeholder 6">
+            <a:extLst>
+              <a:ext uri="{FF2B5EF4-FFF2-40B4-BE49-F238E27FC236}">
+                <a16:creationId xmlns:a16="http://schemas.microsoft.com/office/drawing/2014/main" id="{960B3E76-4285-0D1D-8682-88FB7DAA4C98}"/>
+              </a:ext>
+            </a:extLst>
+          </p:cNvPr>
+          <p:cNvPicPr>
+            <a:picLocks noGrp="1" noChangeAspect="1"/>
+          </p:cNvPicPr>
+          <p:nvPr>
+            <p:ph type="pic" sz="quarter" idx="10"/>
+          </p:nvPr>
+        </p:nvPicPr>
+        <p:blipFill>
+          <a:blip r:embed="rId2">
+            <a:extLst>
+              <a:ext uri="{28A0092B-C50C-407E-A947-70E740481C1C}">
+                <a14:useLocalDpi xmlns:a14="http://schemas.microsoft.com/office/drawing/2010/main" val="0"/>
+              </a:ext>
+            </a:extLst>
+          </a:blip>
+          <a:stretch>
+            <a:fillRect/>
+          </a:stretch>
+        </p:blipFill>
+        <p:spPr>
+          <a:xfrm>
+            <a:off x="0" y="2424835"/>
+            <a:ext cx="10984710" cy="4071256"/>
+          </a:xfrm>
+        </p:spPr>
+      </p:pic>
+    </p:spTree>
+    <p:extLst>
+      <p:ext uri="{BB962C8B-B14F-4D97-AF65-F5344CB8AC3E}">
+        <p14:creationId xmlns:p14="http://schemas.microsoft.com/office/powerpoint/2010/main" val="639040446"/>
+      </p:ext>
+    </p:extLst>
+  </p:cSld>
+  <p:clrMapOvr>
+    <a:masterClrMapping/>
+  </p:clrMapOvr>
+</p:sld>
+</file>
+
+<file path=ppt/slides/slide11.xml><?xml version="1.0" encoding="utf-8"?>
+<p:sld xmlns:a="http://schemas.openxmlformats.org/drawingml/2006/main" xmlns:r="http://schemas.openxmlformats.org/officeDocument/2006/relationships" xmlns:p="http://schemas.openxmlformats.org/presentationml/2006/main">
+  <p:cSld name="Slide 1">
+    <p:bg>
+      <p:bgPr>
+        <a:blipFill dpi="0" rotWithShape="1">
+          <a:blip r:embed="rId3">
+            <a:lum/>
+            <a:extLst>
+              <a:ext uri="{96DAC541-7B7A-43D3-8B79-37D633B846F1}">
+                <asvg:svgBlip xmlns:asvg="http://schemas.microsoft.com/office/drawing/2016/SVG/main" r:embed="rId4"/>
+              </a:ext>
+            </a:extLst>
+          </a:blip>
+          <a:srcRect/>
+          <a:stretch>
+            <a:fillRect/>
+          </a:stretch>
+        </a:blipFill>
+        <a:effectLst/>
+      </p:bgPr>
+    </p:bg>
+    <p:spTree>
+      <p:nvGrpSpPr>
         <p:cNvPr id="1" name=""/>
         <p:cNvGrpSpPr/>
         <p:nvPr/>
@@ -6976,205 +7165,235 @@
           <a:chExt cx="0" cy="0"/>
         </a:xfrm>
       </p:grpSpPr>
-      <p:sp>
-        <p:nvSpPr>
-          <p:cNvPr id="2" name="Footer Placeholder 1">
-            <a:extLst>
-              <a:ext uri="{FF2B5EF4-FFF2-40B4-BE49-F238E27FC236}">
-                <a16:creationId xmlns:a16="http://schemas.microsoft.com/office/drawing/2014/main" id="{21203A21-4EB0-0899-694B-EB16597A798E}"/>
-              </a:ext>
-            </a:extLst>
-          </p:cNvPr>
-          <p:cNvSpPr>
-            <a:spLocks noGrp="1"/>
-          </p:cNvSpPr>
-          <p:nvPr>
-            <p:ph type="ftr" sz="quarter" idx="10"/>
-          </p:nvPr>
-        </p:nvSpPr>
-        <p:spPr/>
-        <p:txBody>
-          <a:bodyPr/>
-          <a:lstStyle/>
-          <a:p>
-            <a:r>
-              <a:rPr lang="en-US"/>
-              <a:t>Predicting Vaccine Uptake</a:t>
-            </a:r>
-            <a:endParaRPr lang="en-ID" dirty="0"/>
-          </a:p>
-        </p:txBody>
-      </p:sp>
-      <p:sp>
-        <p:nvSpPr>
-          <p:cNvPr id="3" name="Slide Number Placeholder 2">
-            <a:extLst>
-              <a:ext uri="{FF2B5EF4-FFF2-40B4-BE49-F238E27FC236}">
-                <a16:creationId xmlns:a16="http://schemas.microsoft.com/office/drawing/2014/main" id="{A888D19F-7547-FF34-F163-E7A1C4CAA017}"/>
-              </a:ext>
-            </a:extLst>
-          </p:cNvPr>
-          <p:cNvSpPr>
-            <a:spLocks noGrp="1"/>
-          </p:cNvSpPr>
-          <p:nvPr>
-            <p:ph type="sldNum" sz="quarter" idx="11"/>
-          </p:nvPr>
-        </p:nvSpPr>
-        <p:spPr/>
-        <p:txBody>
-          <a:bodyPr/>
-          <a:lstStyle/>
-          <a:p>
-            <a:fld id="{5E0C3BBE-9543-48E5-A6E1-C646F9A01966}" type="slidenum">
-              <a:rPr lang="en-ID" smtClean="0"/>
-              <a:pPr/>
-              <a:t>10</a:t>
+      <p:graphicFrame>
+        <p:nvGraphicFramePr>
+          <p:cNvPr id="2" name="Chart 0"/>
+          <p:cNvGraphicFramePr/>
+          <p:nvPr>
+            <p:extLst>
+              <p:ext uri="{D42A27DB-BD31-4B8C-83A1-F6EECF244321}">
+                <p14:modId xmlns:p14="http://schemas.microsoft.com/office/powerpoint/2010/main" val="3604028572"/>
+              </p:ext>
+            </p:extLst>
+          </p:nvPr>
+        </p:nvGraphicFramePr>
+        <p:xfrm>
+          <a:off x="4838700" y="1917700"/>
+          <a:ext cx="1816100" cy="1816100"/>
+        </p:xfrm>
+        <a:graphic>
+          <a:graphicData uri="http://schemas.openxmlformats.org/drawingml/2006/chart">
+            <c:chart xmlns:c="http://schemas.openxmlformats.org/drawingml/2006/chart" xmlns:r="http://schemas.openxmlformats.org/officeDocument/2006/relationships" r:id="rId5"/>
+          </a:graphicData>
+        </a:graphic>
+      </p:graphicFrame>
+      <p:sp>
+        <p:nvSpPr>
+          <p:cNvPr id="25" name="Slide Number Placeholder 0"/>
+          <p:cNvSpPr>
+            <a:spLocks noGrp="1"/>
+          </p:cNvSpPr>
+          <p:nvPr>
+            <p:ph type="sldNum" sz="quarter" idx="4294967295"/>
+          </p:nvPr>
+        </p:nvSpPr>
+        <p:spPr>
+          <a:prstGeom prst="rect">
+            <a:avLst/>
+          </a:prstGeom>
+          <a:extLst>
+            <a:ext uri="{C572A759-6A51-4108-AA02-DFA0A04FC94B}">
+              <ma14:wrappingTextBoxFlag xmlns:ma14="http://schemas.microsoft.com/office/mac/drawingml/2011/main" xmlns="" val="0"/>
+            </a:ext>
+          </a:extLst>
+        </p:spPr>
+        <p:txBody>
+          <a:bodyPr anchor="ctr" anchorCtr="0"/>
+          <a:lstStyle>
+            <a:lvl1pPr marL="0" algn="l" defTabSz="1625519" rtl="0" eaLnBrk="1" latinLnBrk="0" hangingPunct="1">
+              <a:defRPr sz="3200" kern="1200">
+                <a:solidFill>
+                  <a:schemeClr val="tx1"/>
+                </a:solidFill>
+                <a:latin typeface="+mn-lt"/>
+                <a:ea typeface="+mn-ea"/>
+                <a:cs typeface="+mn-cs"/>
+              </a:defRPr>
+            </a:lvl1pPr>
+            <a:lvl2pPr marL="812760" algn="l" defTabSz="1625519" rtl="0" eaLnBrk="1" latinLnBrk="0" hangingPunct="1">
+              <a:defRPr sz="3200" kern="1200">
+                <a:solidFill>
+                  <a:schemeClr val="tx1"/>
+                </a:solidFill>
+                <a:latin typeface="+mn-lt"/>
+                <a:ea typeface="+mn-ea"/>
+                <a:cs typeface="+mn-cs"/>
+              </a:defRPr>
+            </a:lvl2pPr>
+            <a:lvl3pPr marL="1625519" algn="l" defTabSz="1625519" rtl="0" eaLnBrk="1" latinLnBrk="0" hangingPunct="1">
+              <a:defRPr sz="3200" kern="1200">
+                <a:solidFill>
+                  <a:schemeClr val="tx1"/>
+                </a:solidFill>
+                <a:latin typeface="+mn-lt"/>
+                <a:ea typeface="+mn-ea"/>
+                <a:cs typeface="+mn-cs"/>
+              </a:defRPr>
+            </a:lvl3pPr>
+            <a:lvl4pPr marL="2438278" algn="l" defTabSz="1625519" rtl="0" eaLnBrk="1" latinLnBrk="0" hangingPunct="1">
+              <a:defRPr sz="3200" kern="1200">
+                <a:solidFill>
+                  <a:schemeClr val="tx1"/>
+                </a:solidFill>
+                <a:latin typeface="+mn-lt"/>
+                <a:ea typeface="+mn-ea"/>
+                <a:cs typeface="+mn-cs"/>
+              </a:defRPr>
+            </a:lvl4pPr>
+            <a:lvl5pPr marL="3251037" algn="l" defTabSz="1625519" rtl="0" eaLnBrk="1" latinLnBrk="0" hangingPunct="1">
+              <a:defRPr sz="3200" kern="1200">
+                <a:solidFill>
+                  <a:schemeClr val="tx1"/>
+                </a:solidFill>
+                <a:latin typeface="+mn-lt"/>
+                <a:ea typeface="+mn-ea"/>
+                <a:cs typeface="+mn-cs"/>
+              </a:defRPr>
+            </a:lvl5pPr>
+            <a:lvl6pPr marL="4063797" algn="l" defTabSz="1625519" rtl="0" eaLnBrk="1" latinLnBrk="0" hangingPunct="1">
+              <a:defRPr sz="3200" kern="1200">
+                <a:solidFill>
+                  <a:schemeClr val="tx1"/>
+                </a:solidFill>
+                <a:latin typeface="+mn-lt"/>
+                <a:ea typeface="+mn-ea"/>
+                <a:cs typeface="+mn-cs"/>
+              </a:defRPr>
+            </a:lvl6pPr>
+            <a:lvl7pPr marL="4876557" algn="l" defTabSz="1625519" rtl="0" eaLnBrk="1" latinLnBrk="0" hangingPunct="1">
+              <a:defRPr sz="3200" kern="1200">
+                <a:solidFill>
+                  <a:schemeClr val="tx1"/>
+                </a:solidFill>
+                <a:latin typeface="+mn-lt"/>
+                <a:ea typeface="+mn-ea"/>
+                <a:cs typeface="+mn-cs"/>
+              </a:defRPr>
+            </a:lvl7pPr>
+            <a:lvl8pPr marL="5689315" algn="l" defTabSz="1625519" rtl="0" eaLnBrk="1" latinLnBrk="0" hangingPunct="1">
+              <a:defRPr sz="3200" kern="1200">
+                <a:solidFill>
+                  <a:schemeClr val="tx1"/>
+                </a:solidFill>
+                <a:latin typeface="+mn-lt"/>
+                <a:ea typeface="+mn-ea"/>
+                <a:cs typeface="+mn-cs"/>
+              </a:defRPr>
+            </a:lvl8pPr>
+            <a:lvl9pPr marL="6502075" algn="l" defTabSz="1625519" rtl="0" eaLnBrk="1" latinLnBrk="0" hangingPunct="1">
+              <a:defRPr sz="3200" kern="1200">
+                <a:solidFill>
+                  <a:schemeClr val="tx1"/>
+                </a:solidFill>
+                <a:latin typeface="+mn-lt"/>
+                <a:ea typeface="+mn-ea"/>
+                <a:cs typeface="+mn-cs"/>
+              </a:defRPr>
+            </a:lvl9pPr>
+          </a:lstStyle>
+          <a:p>
+            <a:pPr algn="ctr"/>
+            <a:fld id="{F7021451-1387-4CA6-816F-3879F97B5CBC}" type="slidenum">
+              <a:rPr lang="en-US" sz="1200" b="0">
+                <a:solidFill>
+                  <a:srgbClr val="FF4D00"/>
+                </a:solidFill>
+                <a:latin typeface="Open Sans"/>
+                <a:ea typeface="Open Sans"/>
+                <a:cs typeface="Open Sans"/>
+              </a:rPr>
+              <a:pPr algn="ctr"/>
+              <a:t>11</a:t>
             </a:fld>
-            <a:endParaRPr lang="en-ID" dirty="0"/>
+            <a:endParaRPr lang="en-US" sz="1200">
+              <a:solidFill>
+                <a:srgbClr val="FF4D00"/>
+              </a:solidFill>
+              <a:latin typeface="Open Sans"/>
+              <a:ea typeface="Open Sans"/>
+              <a:cs typeface="Open Sans"/>
+            </a:endParaRPr>
           </a:p>
         </p:txBody>
       </p:sp>
       <p:pic>
         <p:nvPicPr>
-          <p:cNvPr id="9" name="Picture Placeholder 8">
-            <a:extLst>
-              <a:ext uri="{FF2B5EF4-FFF2-40B4-BE49-F238E27FC236}">
-                <a16:creationId xmlns:a16="http://schemas.microsoft.com/office/drawing/2014/main" id="{55DBBCE1-88EE-E6C0-CE0D-AF5A79CAE586}"/>
-              </a:ext>
-            </a:extLst>
-          </p:cNvPr>
-          <p:cNvPicPr>
-            <a:picLocks noGrp="1" noChangeAspect="1"/>
+          <p:cNvPr id="20" name="Picture Placeholder 19">
+            <a:extLst>
+              <a:ext uri="{FF2B5EF4-FFF2-40B4-BE49-F238E27FC236}">
+                <a16:creationId xmlns:a16="http://schemas.microsoft.com/office/drawing/2014/main" id="{F1DB48A0-BC89-0BA6-4E65-B00F0D862FFB}"/>
+              </a:ext>
+            </a:extLst>
+          </p:cNvPr>
+          <p:cNvPicPr preferRelativeResize="0">
+            <a:picLocks noGrp="1"/>
           </p:cNvPicPr>
           <p:nvPr>
-            <p:ph type="pic" sz="quarter" idx="15"/>
+            <p:ph type="pic" sz="quarter" idx="4294967295"/>
           </p:nvPr>
         </p:nvPicPr>
         <p:blipFill>
-          <a:blip r:embed="rId2"/>
-          <a:srcRect t="7064" b="7064"/>
+          <a:blip r:embed="rId6">
+            <a:extLst>
+              <a:ext uri="{28A0092B-C50C-407E-A947-70E740481C1C}">
+                <a14:useLocalDpi xmlns:a14="http://schemas.microsoft.com/office/drawing/2010/main" val="0"/>
+              </a:ext>
+            </a:extLst>
+          </a:blip>
           <a:stretch>
             <a:fillRect/>
           </a:stretch>
         </p:blipFill>
-        <p:spPr/>
+        <p:spPr>
+          <a:xfrm>
+            <a:off x="311944" y="1258443"/>
+            <a:ext cx="10869612" cy="5384800"/>
+          </a:xfrm>
+        </p:spPr>
       </p:pic>
-      <p:pic>
-        <p:nvPicPr>
-          <p:cNvPr id="10" name="Picture Placeholder 9">
-            <a:extLst>
-              <a:ext uri="{FF2B5EF4-FFF2-40B4-BE49-F238E27FC236}">
-                <a16:creationId xmlns:a16="http://schemas.microsoft.com/office/drawing/2014/main" id="{4A8D48BF-0B24-208C-D55D-DEAD872B17F3}"/>
-              </a:ext>
-            </a:extLst>
-          </p:cNvPr>
-          <p:cNvPicPr>
-            <a:picLocks noGrp="1" noChangeAspect="1"/>
-          </p:cNvPicPr>
-          <p:nvPr>
-            <p:ph type="pic" sz="quarter" idx="16"/>
-          </p:nvPr>
-        </p:nvPicPr>
-        <p:blipFill>
-          <a:blip r:embed="rId3"/>
-          <a:srcRect t="6884" b="6884"/>
-          <a:stretch>
-            <a:fillRect/>
-          </a:stretch>
-        </p:blipFill>
-        <p:spPr/>
-      </p:pic>
-      <p:sp>
-        <p:nvSpPr>
-          <p:cNvPr id="6" name="Text Placeholder 5">
-            <a:extLst>
-              <a:ext uri="{FF2B5EF4-FFF2-40B4-BE49-F238E27FC236}">
-                <a16:creationId xmlns:a16="http://schemas.microsoft.com/office/drawing/2014/main" id="{51D2AEC2-EAFC-4E60-5685-0B6FD0B4E7DC}"/>
-              </a:ext>
-            </a:extLst>
-          </p:cNvPr>
-          <p:cNvSpPr>
-            <a:spLocks noGrp="1"/>
-          </p:cNvSpPr>
-          <p:nvPr>
-            <p:ph type="body" sz="quarter" idx="18"/>
-          </p:nvPr>
-        </p:nvSpPr>
-        <p:spPr>
-          <a:xfrm>
-            <a:off x="5635928" y="3624943"/>
-            <a:ext cx="4760127" cy="683963"/>
-          </a:xfrm>
-        </p:spPr>
-        <p:txBody>
-          <a:bodyPr/>
+      <p:sp>
+        <p:nvSpPr>
+          <p:cNvPr id="4" name="TextBox 3">
+            <a:extLst>
+              <a:ext uri="{FF2B5EF4-FFF2-40B4-BE49-F238E27FC236}">
+                <a16:creationId xmlns:a16="http://schemas.microsoft.com/office/drawing/2014/main" id="{B562C4B9-7CC8-4785-97B9-25324F4ECC28}"/>
+              </a:ext>
+            </a:extLst>
+          </p:cNvPr>
+          <p:cNvSpPr txBox="1"/>
+          <p:nvPr/>
+        </p:nvSpPr>
+        <p:spPr>
+          <a:xfrm>
+            <a:off x="794657" y="444501"/>
+            <a:ext cx="6803572" cy="769441"/>
+          </a:xfrm>
+          <a:prstGeom prst="rect">
+            <a:avLst/>
+          </a:prstGeom>
+          <a:noFill/>
+        </p:spPr>
+        <p:txBody>
+          <a:bodyPr vertOverflow="overflow" vert="horz" wrap="square" rtlCol="0" anchor="t" anchorCtr="0">
+            <a:spAutoFit/>
+          </a:bodyPr>
           <a:lstStyle/>
           <a:p>
             <a:r>
-              <a:rPr lang="en-US" sz="1800" dirty="0"/>
-              <a:t>INFORM PUBLIC HEALTH STRATEGY</a:t>
-            </a:r>
-          </a:p>
-        </p:txBody>
-      </p:sp>
-      <p:sp>
-        <p:nvSpPr>
-          <p:cNvPr id="7" name="Text Placeholder 6">
-            <a:extLst>
-              <a:ext uri="{FF2B5EF4-FFF2-40B4-BE49-F238E27FC236}">
-                <a16:creationId xmlns:a16="http://schemas.microsoft.com/office/drawing/2014/main" id="{7E6E3CF8-D6F8-D734-5AFA-A91A897DBA9A}"/>
-              </a:ext>
-            </a:extLst>
-          </p:cNvPr>
-          <p:cNvSpPr>
-            <a:spLocks noGrp="1"/>
-          </p:cNvSpPr>
-          <p:nvPr>
-            <p:ph type="body" sz="quarter" idx="19"/>
-          </p:nvPr>
-        </p:nvSpPr>
-        <p:spPr>
-          <a:xfrm>
-            <a:off x="5758544" y="4071256"/>
-            <a:ext cx="4760126" cy="2310493"/>
-          </a:xfrm>
-        </p:spPr>
-        <p:txBody>
-          <a:bodyPr/>
-          <a:lstStyle/>
-          <a:p>
-            <a:r>
-              <a:rPr lang="en-US" sz="1600" dirty="0"/>
-              <a:t>Insights from models reveal key demographic and behavioral predictors of vaccine uptake. Public health strategies can be tailored by understanding these factors. Addressing hesitancy and improving outreach efforts are critical to enhancing vaccine rates.</a:t>
-            </a:r>
-          </a:p>
-        </p:txBody>
-      </p:sp>
-      <p:sp>
-        <p:nvSpPr>
-          <p:cNvPr id="8" name="Title 7">
-            <a:extLst>
-              <a:ext uri="{FF2B5EF4-FFF2-40B4-BE49-F238E27FC236}">
-                <a16:creationId xmlns:a16="http://schemas.microsoft.com/office/drawing/2014/main" id="{33763E2A-E325-A9BA-ACC1-FA5023CD3F58}"/>
-              </a:ext>
-            </a:extLst>
-          </p:cNvPr>
-          <p:cNvSpPr>
-            <a:spLocks noGrp="1"/>
-          </p:cNvSpPr>
-          <p:nvPr>
-            <p:ph type="title"/>
-          </p:nvPr>
-        </p:nvSpPr>
-        <p:spPr/>
-        <p:txBody>
-          <a:bodyPr/>
-          <a:lstStyle/>
-          <a:p>
-            <a:r>
-              <a:rPr lang="en-US"/>
-              <a:t>Insights &amp; Implications</a:t>
+              <a:rPr lang="en-US" sz="4400" dirty="0">
+                <a:latin typeface="Montserrat ExtraBold"/>
+              </a:rPr>
+              <a:t>Performance Metrics</a:t>
             </a:r>
           </a:p>
         </p:txBody>
@@ -7182,7 +7401,7 @@
     </p:spTree>
     <p:extLst>
       <p:ext uri="{BB962C8B-B14F-4D97-AF65-F5344CB8AC3E}">
-        <p14:creationId xmlns:p14="http://schemas.microsoft.com/office/powerpoint/2010/main" val="3161469340"/>
+        <p14:creationId xmlns:p14="http://schemas.microsoft.com/office/powerpoint/2010/main" val="2208306809"/>
       </p:ext>
     </p:extLst>
   </p:cSld>
@@ -7192,7 +7411,7 @@
 </p:sld>
 </file>
 
-<file path=ppt/slides/slide11.xml><?xml version="1.0" encoding="utf-8"?>
+<file path=ppt/slides/slide12.xml><?xml version="1.0" encoding="utf-8"?>
 <p:sld xmlns:a="http://schemas.openxmlformats.org/drawingml/2006/main" xmlns:r="http://schemas.openxmlformats.org/officeDocument/2006/relationships" xmlns:p="http://schemas.openxmlformats.org/presentationml/2006/main">
   <p:cSld>
     <p:spTree>
@@ -7211,18 +7430,18 @@
       </p:grpSpPr>
       <p:sp>
         <p:nvSpPr>
-          <p:cNvPr id="2" name="Title 1">
-            <a:extLst>
-              <a:ext uri="{FF2B5EF4-FFF2-40B4-BE49-F238E27FC236}">
-                <a16:creationId xmlns:a16="http://schemas.microsoft.com/office/drawing/2014/main" id="{149DF766-818F-2821-0E50-03B1F40DAFB1}"/>
-              </a:ext>
-            </a:extLst>
-          </p:cNvPr>
-          <p:cNvSpPr>
-            <a:spLocks noGrp="1"/>
-          </p:cNvSpPr>
-          <p:nvPr>
-            <p:ph type="title"/>
+          <p:cNvPr id="2" name="Footer Placeholder 1">
+            <a:extLst>
+              <a:ext uri="{FF2B5EF4-FFF2-40B4-BE49-F238E27FC236}">
+                <a16:creationId xmlns:a16="http://schemas.microsoft.com/office/drawing/2014/main" id="{21203A21-4EB0-0899-694B-EB16597A798E}"/>
+              </a:ext>
+            </a:extLst>
+          </p:cNvPr>
+          <p:cNvSpPr>
+            <a:spLocks noGrp="1"/>
+          </p:cNvSpPr>
+          <p:nvPr>
+            <p:ph type="ftr" sz="quarter" idx="10"/>
           </p:nvPr>
         </p:nvSpPr>
         <p:spPr/>
@@ -7232,34 +7451,6 @@
           <a:p>
             <a:r>
               <a:rPr lang="en-US"/>
-              <a:t>Conclusion &amp; Strategies</a:t>
-            </a:r>
-          </a:p>
-        </p:txBody>
-      </p:sp>
-      <p:sp>
-        <p:nvSpPr>
-          <p:cNvPr id="3" name="Footer Placeholder 2">
-            <a:extLst>
-              <a:ext uri="{FF2B5EF4-FFF2-40B4-BE49-F238E27FC236}">
-                <a16:creationId xmlns:a16="http://schemas.microsoft.com/office/drawing/2014/main" id="{B0F20C0C-5543-3198-2EEF-410C15C43A85}"/>
-              </a:ext>
-            </a:extLst>
-          </p:cNvPr>
-          <p:cNvSpPr>
-            <a:spLocks noGrp="1"/>
-          </p:cNvSpPr>
-          <p:nvPr>
-            <p:ph type="ftr" sz="quarter" idx="10"/>
-          </p:nvPr>
-        </p:nvSpPr>
-        <p:spPr/>
-        <p:txBody>
-          <a:bodyPr/>
-          <a:lstStyle/>
-          <a:p>
-            <a:r>
-              <a:rPr lang="en-US"/>
               <a:t>Predicting Vaccine Uptake</a:t>
             </a:r>
             <a:endParaRPr lang="en-ID" dirty="0"/>
@@ -7268,10 +7459,10 @@
       </p:sp>
       <p:sp>
         <p:nvSpPr>
-          <p:cNvPr id="4" name="Slide Number Placeholder 3">
-            <a:extLst>
-              <a:ext uri="{FF2B5EF4-FFF2-40B4-BE49-F238E27FC236}">
-                <a16:creationId xmlns:a16="http://schemas.microsoft.com/office/drawing/2014/main" id="{66BAEFE2-D4E5-29CB-7BB6-444D112E65AE}"/>
+          <p:cNvPr id="3" name="Slide Number Placeholder 2">
+            <a:extLst>
+              <a:ext uri="{FF2B5EF4-FFF2-40B4-BE49-F238E27FC236}">
+                <a16:creationId xmlns:a16="http://schemas.microsoft.com/office/drawing/2014/main" id="{A888D19F-7547-FF34-F163-E7A1C4CAA017}"/>
               </a:ext>
             </a:extLst>
           </p:cNvPr>
@@ -7290,7 +7481,268 @@
             <a:fld id="{5E0C3BBE-9543-48E5-A6E1-C646F9A01966}" type="slidenum">
               <a:rPr lang="en-ID" smtClean="0"/>
               <a:pPr/>
-              <a:t>11</a:t>
+              <a:t>12</a:t>
+            </a:fld>
+            <a:endParaRPr lang="en-ID" dirty="0"/>
+          </a:p>
+        </p:txBody>
+      </p:sp>
+      <p:pic>
+        <p:nvPicPr>
+          <p:cNvPr id="9" name="Picture Placeholder 8">
+            <a:extLst>
+              <a:ext uri="{FF2B5EF4-FFF2-40B4-BE49-F238E27FC236}">
+                <a16:creationId xmlns:a16="http://schemas.microsoft.com/office/drawing/2014/main" id="{55DBBCE1-88EE-E6C0-CE0D-AF5A79CAE586}"/>
+              </a:ext>
+            </a:extLst>
+          </p:cNvPr>
+          <p:cNvPicPr>
+            <a:picLocks noGrp="1" noChangeAspect="1"/>
+          </p:cNvPicPr>
+          <p:nvPr>
+            <p:ph type="pic" sz="quarter" idx="15"/>
+          </p:nvPr>
+        </p:nvPicPr>
+        <p:blipFill>
+          <a:blip r:embed="rId2"/>
+          <a:srcRect t="7064" b="7064"/>
+          <a:stretch>
+            <a:fillRect/>
+          </a:stretch>
+        </p:blipFill>
+        <p:spPr/>
+      </p:pic>
+      <p:pic>
+        <p:nvPicPr>
+          <p:cNvPr id="10" name="Picture Placeholder 9">
+            <a:extLst>
+              <a:ext uri="{FF2B5EF4-FFF2-40B4-BE49-F238E27FC236}">
+                <a16:creationId xmlns:a16="http://schemas.microsoft.com/office/drawing/2014/main" id="{4A8D48BF-0B24-208C-D55D-DEAD872B17F3}"/>
+              </a:ext>
+            </a:extLst>
+          </p:cNvPr>
+          <p:cNvPicPr>
+            <a:picLocks noGrp="1" noChangeAspect="1"/>
+          </p:cNvPicPr>
+          <p:nvPr>
+            <p:ph type="pic" sz="quarter" idx="16"/>
+          </p:nvPr>
+        </p:nvPicPr>
+        <p:blipFill>
+          <a:blip r:embed="rId3"/>
+          <a:srcRect t="6884" b="6884"/>
+          <a:stretch>
+            <a:fillRect/>
+          </a:stretch>
+        </p:blipFill>
+        <p:spPr/>
+      </p:pic>
+      <p:sp>
+        <p:nvSpPr>
+          <p:cNvPr id="6" name="Text Placeholder 5">
+            <a:extLst>
+              <a:ext uri="{FF2B5EF4-FFF2-40B4-BE49-F238E27FC236}">
+                <a16:creationId xmlns:a16="http://schemas.microsoft.com/office/drawing/2014/main" id="{51D2AEC2-EAFC-4E60-5685-0B6FD0B4E7DC}"/>
+              </a:ext>
+            </a:extLst>
+          </p:cNvPr>
+          <p:cNvSpPr>
+            <a:spLocks noGrp="1"/>
+          </p:cNvSpPr>
+          <p:nvPr>
+            <p:ph type="body" sz="quarter" idx="18"/>
+          </p:nvPr>
+        </p:nvSpPr>
+        <p:spPr>
+          <a:xfrm>
+            <a:off x="5635928" y="3624943"/>
+            <a:ext cx="4760127" cy="683963"/>
+          </a:xfrm>
+        </p:spPr>
+        <p:txBody>
+          <a:bodyPr/>
+          <a:lstStyle/>
+          <a:p>
+            <a:r>
+              <a:rPr lang="en-US" sz="1800" dirty="0"/>
+              <a:t>INFORM PUBLIC HEALTH STRATEGY</a:t>
+            </a:r>
+          </a:p>
+        </p:txBody>
+      </p:sp>
+      <p:sp>
+        <p:nvSpPr>
+          <p:cNvPr id="7" name="Text Placeholder 6">
+            <a:extLst>
+              <a:ext uri="{FF2B5EF4-FFF2-40B4-BE49-F238E27FC236}">
+                <a16:creationId xmlns:a16="http://schemas.microsoft.com/office/drawing/2014/main" id="{7E6E3CF8-D6F8-D734-5AFA-A91A897DBA9A}"/>
+              </a:ext>
+            </a:extLst>
+          </p:cNvPr>
+          <p:cNvSpPr>
+            <a:spLocks noGrp="1"/>
+          </p:cNvSpPr>
+          <p:nvPr>
+            <p:ph type="body" sz="quarter" idx="19"/>
+          </p:nvPr>
+        </p:nvSpPr>
+        <p:spPr>
+          <a:xfrm>
+            <a:off x="5758544" y="4071256"/>
+            <a:ext cx="4760126" cy="2310493"/>
+          </a:xfrm>
+        </p:spPr>
+        <p:txBody>
+          <a:bodyPr/>
+          <a:lstStyle/>
+          <a:p>
+            <a:r>
+              <a:rPr lang="en-US" sz="1600" dirty="0"/>
+              <a:t>Insights from models reveal key demographic and behavioral predictors of vaccine uptake. Public health strategies can be tailored by understanding these factors. Addressing hesitancy and improving outreach efforts are critical to enhancing vaccine rates.</a:t>
+            </a:r>
+          </a:p>
+        </p:txBody>
+      </p:sp>
+      <p:sp>
+        <p:nvSpPr>
+          <p:cNvPr id="8" name="Title 7">
+            <a:extLst>
+              <a:ext uri="{FF2B5EF4-FFF2-40B4-BE49-F238E27FC236}">
+                <a16:creationId xmlns:a16="http://schemas.microsoft.com/office/drawing/2014/main" id="{33763E2A-E325-A9BA-ACC1-FA5023CD3F58}"/>
+              </a:ext>
+            </a:extLst>
+          </p:cNvPr>
+          <p:cNvSpPr>
+            <a:spLocks noGrp="1"/>
+          </p:cNvSpPr>
+          <p:nvPr>
+            <p:ph type="title"/>
+          </p:nvPr>
+        </p:nvSpPr>
+        <p:spPr/>
+        <p:txBody>
+          <a:bodyPr/>
+          <a:lstStyle/>
+          <a:p>
+            <a:r>
+              <a:rPr lang="en-US"/>
+              <a:t>Insights &amp; Implications</a:t>
+            </a:r>
+          </a:p>
+        </p:txBody>
+      </p:sp>
+    </p:spTree>
+    <p:extLst>
+      <p:ext uri="{BB962C8B-B14F-4D97-AF65-F5344CB8AC3E}">
+        <p14:creationId xmlns:p14="http://schemas.microsoft.com/office/powerpoint/2010/main" val="3161469340"/>
+      </p:ext>
+    </p:extLst>
+  </p:cSld>
+  <p:clrMapOvr>
+    <a:masterClrMapping/>
+  </p:clrMapOvr>
+</p:sld>
+</file>
+
+<file path=ppt/slides/slide13.xml><?xml version="1.0" encoding="utf-8"?>
+<p:sld xmlns:a="http://schemas.openxmlformats.org/drawingml/2006/main" xmlns:r="http://schemas.openxmlformats.org/officeDocument/2006/relationships" xmlns:p="http://schemas.openxmlformats.org/presentationml/2006/main">
+  <p:cSld>
+    <p:spTree>
+      <p:nvGrpSpPr>
+        <p:cNvPr id="1" name=""/>
+        <p:cNvGrpSpPr/>
+        <p:nvPr/>
+      </p:nvGrpSpPr>
+      <p:grpSpPr>
+        <a:xfrm>
+          <a:off x="0" y="0"/>
+          <a:ext cx="0" cy="0"/>
+          <a:chOff x="0" y="0"/>
+          <a:chExt cx="0" cy="0"/>
+        </a:xfrm>
+      </p:grpSpPr>
+      <p:sp>
+        <p:nvSpPr>
+          <p:cNvPr id="2" name="Title 1">
+            <a:extLst>
+              <a:ext uri="{FF2B5EF4-FFF2-40B4-BE49-F238E27FC236}">
+                <a16:creationId xmlns:a16="http://schemas.microsoft.com/office/drawing/2014/main" id="{149DF766-818F-2821-0E50-03B1F40DAFB1}"/>
+              </a:ext>
+            </a:extLst>
+          </p:cNvPr>
+          <p:cNvSpPr>
+            <a:spLocks noGrp="1"/>
+          </p:cNvSpPr>
+          <p:nvPr>
+            <p:ph type="title"/>
+          </p:nvPr>
+        </p:nvSpPr>
+        <p:spPr/>
+        <p:txBody>
+          <a:bodyPr/>
+          <a:lstStyle/>
+          <a:p>
+            <a:r>
+              <a:rPr lang="en-US"/>
+              <a:t>Conclusion &amp; Strategies</a:t>
+            </a:r>
+          </a:p>
+        </p:txBody>
+      </p:sp>
+      <p:sp>
+        <p:nvSpPr>
+          <p:cNvPr id="3" name="Footer Placeholder 2">
+            <a:extLst>
+              <a:ext uri="{FF2B5EF4-FFF2-40B4-BE49-F238E27FC236}">
+                <a16:creationId xmlns:a16="http://schemas.microsoft.com/office/drawing/2014/main" id="{B0F20C0C-5543-3198-2EEF-410C15C43A85}"/>
+              </a:ext>
+            </a:extLst>
+          </p:cNvPr>
+          <p:cNvSpPr>
+            <a:spLocks noGrp="1"/>
+          </p:cNvSpPr>
+          <p:nvPr>
+            <p:ph type="ftr" sz="quarter" idx="10"/>
+          </p:nvPr>
+        </p:nvSpPr>
+        <p:spPr/>
+        <p:txBody>
+          <a:bodyPr/>
+          <a:lstStyle/>
+          <a:p>
+            <a:r>
+              <a:rPr lang="en-US"/>
+              <a:t>Predicting Vaccine Uptake</a:t>
+            </a:r>
+            <a:endParaRPr lang="en-ID" dirty="0"/>
+          </a:p>
+        </p:txBody>
+      </p:sp>
+      <p:sp>
+        <p:nvSpPr>
+          <p:cNvPr id="4" name="Slide Number Placeholder 3">
+            <a:extLst>
+              <a:ext uri="{FF2B5EF4-FFF2-40B4-BE49-F238E27FC236}">
+                <a16:creationId xmlns:a16="http://schemas.microsoft.com/office/drawing/2014/main" id="{66BAEFE2-D4E5-29CB-7BB6-444D112E65AE}"/>
+              </a:ext>
+            </a:extLst>
+          </p:cNvPr>
+          <p:cNvSpPr>
+            <a:spLocks noGrp="1"/>
+          </p:cNvSpPr>
+          <p:nvPr>
+            <p:ph type="sldNum" sz="quarter" idx="11"/>
+          </p:nvPr>
+        </p:nvSpPr>
+        <p:spPr/>
+        <p:txBody>
+          <a:bodyPr/>
+          <a:lstStyle/>
+          <a:p>
+            <a:fld id="{5E0C3BBE-9543-48E5-A6E1-C646F9A01966}" type="slidenum">
+              <a:rPr lang="en-ID" smtClean="0"/>
+              <a:pPr/>
+              <a:t>13</a:t>
             </a:fld>
             <a:endParaRPr lang="en-ID" dirty="0"/>
           </a:p>
@@ -8455,97 +8907,102 @@
           </a:p>
         </p:txBody>
       </p:sp>
+      <p:sp>
+        <p:nvSpPr>
+          <p:cNvPr id="6" name="Text Placeholder 5">
+            <a:extLst>
+              <a:ext uri="{FF2B5EF4-FFF2-40B4-BE49-F238E27FC236}">
+                <a16:creationId xmlns:a16="http://schemas.microsoft.com/office/drawing/2014/main" id="{C815E894-1B64-8976-4719-D712C311FC3C}"/>
+              </a:ext>
+            </a:extLst>
+          </p:cNvPr>
+          <p:cNvSpPr>
+            <a:spLocks noGrp="1"/>
+          </p:cNvSpPr>
+          <p:nvPr>
+            <p:ph type="body" sz="quarter" idx="15"/>
+          </p:nvPr>
+        </p:nvSpPr>
+        <p:spPr>
+          <a:xfrm>
+            <a:off x="6217920" y="2857500"/>
+            <a:ext cx="4556707" cy="697230"/>
+          </a:xfrm>
+        </p:spPr>
+        <p:txBody>
+          <a:bodyPr/>
+          <a:lstStyle/>
+          <a:p>
+            <a:r>
+              <a:rPr lang="en-US" sz="1800" dirty="0"/>
+              <a:t>DEVELOPING PREDICTIVE MODELS</a:t>
+            </a:r>
+          </a:p>
+        </p:txBody>
+      </p:sp>
+      <p:sp>
+        <p:nvSpPr>
+          <p:cNvPr id="7" name="Text Placeholder 6">
+            <a:extLst>
+              <a:ext uri="{FF2B5EF4-FFF2-40B4-BE49-F238E27FC236}">
+                <a16:creationId xmlns:a16="http://schemas.microsoft.com/office/drawing/2014/main" id="{4212829E-5804-DA73-2C48-B7CB7DFF7AD3}"/>
+              </a:ext>
+            </a:extLst>
+          </p:cNvPr>
+          <p:cNvSpPr>
+            <a:spLocks noGrp="1"/>
+          </p:cNvSpPr>
+          <p:nvPr>
+            <p:ph type="body" sz="quarter" idx="17"/>
+          </p:nvPr>
+        </p:nvSpPr>
+        <p:spPr>
+          <a:xfrm>
+            <a:off x="6217920" y="3714750"/>
+            <a:ext cx="4556707" cy="2903220"/>
+          </a:xfrm>
+        </p:spPr>
+        <p:txBody>
+          <a:bodyPr/>
+          <a:lstStyle/>
+          <a:p>
+            <a:r>
+              <a:rPr lang="en-US" sz="1600" dirty="0"/>
+              <a:t>The primary objective is to develop models predicting the likelihood of individuals receiving the H1N1 and seasonal flu vaccines. By accurately predicting vaccine uptake, these models aim to provide actionable insights for public health initiatives.</a:t>
+            </a:r>
+          </a:p>
+        </p:txBody>
+      </p:sp>
       <p:pic>
         <p:nvPicPr>
-          <p:cNvPr id="8" name="Picture Placeholder 7">
-            <a:extLst>
-              <a:ext uri="{FF2B5EF4-FFF2-40B4-BE49-F238E27FC236}">
-                <a16:creationId xmlns:a16="http://schemas.microsoft.com/office/drawing/2014/main" id="{2586A2CB-F6ED-E83C-B9FD-603F5427F6D6}"/>
+          <p:cNvPr id="10" name="Picture 9">
+            <a:extLst>
+              <a:ext uri="{FF2B5EF4-FFF2-40B4-BE49-F238E27FC236}">
+                <a16:creationId xmlns:a16="http://schemas.microsoft.com/office/drawing/2014/main" id="{BF047222-10F3-DD70-0A10-AEC6BFFEE139}"/>
               </a:ext>
             </a:extLst>
           </p:cNvPr>
           <p:cNvPicPr>
-            <a:picLocks noGrp="1" noChangeAspect="1"/>
+            <a:picLocks/>
           </p:cNvPicPr>
-          <p:nvPr>
-            <p:ph type="pic" sz="quarter" idx="12"/>
-          </p:nvPr>
+          <p:nvPr/>
         </p:nvPicPr>
         <p:blipFill>
           <a:blip r:embed="rId2"/>
-          <a:srcRect l="10859" r="10859"/>
           <a:stretch>
             <a:fillRect/>
           </a:stretch>
         </p:blipFill>
-        <p:spPr/>
+        <p:spPr>
+          <a:xfrm>
+            <a:off x="325189" y="1204004"/>
+            <a:ext cx="5156502" cy="4701451"/>
+          </a:xfrm>
+          <a:prstGeom prst="rect">
+            <a:avLst/>
+          </a:prstGeom>
+        </p:spPr>
       </p:pic>
-      <p:sp>
-        <p:nvSpPr>
-          <p:cNvPr id="6" name="Text Placeholder 5">
-            <a:extLst>
-              <a:ext uri="{FF2B5EF4-FFF2-40B4-BE49-F238E27FC236}">
-                <a16:creationId xmlns:a16="http://schemas.microsoft.com/office/drawing/2014/main" id="{C815E894-1B64-8976-4719-D712C311FC3C}"/>
-              </a:ext>
-            </a:extLst>
-          </p:cNvPr>
-          <p:cNvSpPr>
-            <a:spLocks noGrp="1"/>
-          </p:cNvSpPr>
-          <p:nvPr>
-            <p:ph type="body" sz="quarter" idx="15"/>
-          </p:nvPr>
-        </p:nvSpPr>
-        <p:spPr>
-          <a:xfrm>
-            <a:off x="6217920" y="2857500"/>
-            <a:ext cx="4556707" cy="697230"/>
-          </a:xfrm>
-        </p:spPr>
-        <p:txBody>
-          <a:bodyPr/>
-          <a:lstStyle/>
-          <a:p>
-            <a:r>
-              <a:rPr lang="en-US" sz="1800" dirty="0"/>
-              <a:t>DEVELOPING PREDICTIVE MODELS</a:t>
-            </a:r>
-          </a:p>
-        </p:txBody>
-      </p:sp>
-      <p:sp>
-        <p:nvSpPr>
-          <p:cNvPr id="7" name="Text Placeholder 6">
-            <a:extLst>
-              <a:ext uri="{FF2B5EF4-FFF2-40B4-BE49-F238E27FC236}">
-                <a16:creationId xmlns:a16="http://schemas.microsoft.com/office/drawing/2014/main" id="{4212829E-5804-DA73-2C48-B7CB7DFF7AD3}"/>
-              </a:ext>
-            </a:extLst>
-          </p:cNvPr>
-          <p:cNvSpPr>
-            <a:spLocks noGrp="1"/>
-          </p:cNvSpPr>
-          <p:nvPr>
-            <p:ph type="body" sz="quarter" idx="17"/>
-          </p:nvPr>
-        </p:nvSpPr>
-        <p:spPr>
-          <a:xfrm>
-            <a:off x="6217920" y="3714750"/>
-            <a:ext cx="4556707" cy="2903220"/>
-          </a:xfrm>
-        </p:spPr>
-        <p:txBody>
-          <a:bodyPr/>
-          <a:lstStyle/>
-          <a:p>
-            <a:r>
-              <a:rPr lang="en-US" sz="1600" dirty="0"/>
-              <a:t>The primary objective is to develop models predicting the likelihood of individuals receiving the H1N1 and seasonal flu vaccines. By accurately predicting vaccine uptake, these models aim to provide actionable insights for public health initiatives.</a:t>
-            </a:r>
-          </a:p>
-        </p:txBody>
-      </p:sp>
     </p:spTree>
     <p:extLst>
       <p:ext uri="{BB962C8B-B14F-4D97-AF65-F5344CB8AC3E}">
@@ -9663,7 +10120,7 @@
           </a:prstGeom>
           <a:extLst>
             <a:ext uri="{C572A759-6A51-4108-AA02-DFA0A04FC94B}">
-              <ma14:wrappingTextBoxFlag xmlns="" xmlns:ma14="http://schemas.microsoft.com/office/mac/drawingml/2011/main" val="0"/>
+              <ma14:wrappingTextBoxFlag xmlns:ma14="http://schemas.microsoft.com/office/mac/drawingml/2011/main" xmlns="" val="0"/>
             </a:ext>
           </a:extLst>
         </p:spPr>
@@ -9829,7 +10286,7 @@
             <a:spLocks noGrp="1"/>
           </p:cNvSpPr>
           <p:nvPr>
-            <p:ph type="ftr" sz="quarter" idx="10"/>
+            <p:ph type="ftr" sz="quarter" idx="15"/>
           </p:nvPr>
         </p:nvSpPr>
         <p:spPr/>
@@ -9858,7 +10315,7 @@
             <a:spLocks noGrp="1"/>
           </p:cNvSpPr>
           <p:nvPr>
-            <p:ph type="sldNum" sz="quarter" idx="11"/>
+            <p:ph type="sldNum" sz="quarter" idx="16"/>
           </p:nvPr>
         </p:nvSpPr>
         <p:spPr/>
@@ -9888,13 +10345,13 @@
             <a:spLocks noGrp="1"/>
           </p:cNvSpPr>
           <p:nvPr>
-            <p:ph type="title"/>
-          </p:nvPr>
-        </p:nvSpPr>
-        <p:spPr>
-          <a:xfrm>
-            <a:off x="3451860" y="473553"/>
-            <a:ext cx="3858405" cy="1721007"/>
+            <p:ph type="ctrTitle"/>
+          </p:nvPr>
+        </p:nvSpPr>
+        <p:spPr>
+          <a:xfrm>
+            <a:off x="2601686" y="348344"/>
+            <a:ext cx="7946570" cy="1045028"/>
           </a:xfrm>
         </p:spPr>
         <p:txBody>
@@ -9910,76 +10367,80 @@
       </p:sp>
       <p:sp>
         <p:nvSpPr>
-          <p:cNvPr id="5" name="Text Placeholder 4">
-            <a:extLst>
-              <a:ext uri="{FF2B5EF4-FFF2-40B4-BE49-F238E27FC236}">
-                <a16:creationId xmlns:a16="http://schemas.microsoft.com/office/drawing/2014/main" id="{1F9FFFBF-8366-C339-D00C-B3B6B823F1BD}"/>
-              </a:ext>
-            </a:extLst>
-          </p:cNvPr>
-          <p:cNvSpPr>
-            <a:spLocks noGrp="1"/>
-          </p:cNvSpPr>
-          <p:nvPr>
-            <p:ph type="body" sz="quarter" idx="27"/>
-          </p:nvPr>
-        </p:nvSpPr>
-        <p:spPr>
-          <a:xfrm>
-            <a:off x="7508716" y="473553"/>
-            <a:ext cx="3313883" cy="566577"/>
-          </a:xfrm>
-        </p:spPr>
-        <p:txBody>
-          <a:bodyPr/>
+          <p:cNvPr id="6" name="Text Placeholder 5">
+            <a:extLst>
+              <a:ext uri="{FF2B5EF4-FFF2-40B4-BE49-F238E27FC236}">
+                <a16:creationId xmlns:a16="http://schemas.microsoft.com/office/drawing/2014/main" id="{7C70B10A-71E1-6149-2496-F8F7CC186153}"/>
+              </a:ext>
+            </a:extLst>
+          </p:cNvPr>
+          <p:cNvSpPr>
+            <a:spLocks noGrp="1"/>
+          </p:cNvSpPr>
+          <p:nvPr>
+            <p:ph type="body" sz="quarter" idx="4294967295"/>
+          </p:nvPr>
+        </p:nvSpPr>
+        <p:spPr>
+          <a:xfrm>
+            <a:off x="153938" y="2710544"/>
+            <a:ext cx="3100891" cy="3799114"/>
+          </a:xfrm>
+        </p:spPr>
+        <p:txBody>
+          <a:bodyPr>
+            <a:normAutofit/>
+          </a:bodyPr>
           <a:lstStyle/>
           <a:p>
             <a:r>
+              <a:rPr lang="en-US" sz="1600" b="0" dirty="0"/>
+              <a:t>Logistic Regression is widely used for binary classification problems. It models the probability of a binary outcome using predictor variables. It's highly interpretable, making it easy to understand which factors influence decisions.</a:t>
+            </a:r>
+          </a:p>
+        </p:txBody>
+      </p:sp>
+      <p:sp>
+        <p:nvSpPr>
+          <p:cNvPr id="10" name="Text Placeholder 9">
+            <a:extLst>
+              <a:ext uri="{FF2B5EF4-FFF2-40B4-BE49-F238E27FC236}">
+                <a16:creationId xmlns:a16="http://schemas.microsoft.com/office/drawing/2014/main" id="{A3B76D76-1418-F4EE-DA14-4D77DDDE9D03}"/>
+              </a:ext>
+            </a:extLst>
+          </p:cNvPr>
+          <p:cNvSpPr>
+            <a:spLocks noGrp="1"/>
+          </p:cNvSpPr>
+          <p:nvPr>
+            <p:ph type="body" sz="quarter" idx="4294967295"/>
+          </p:nvPr>
+        </p:nvSpPr>
+        <p:spPr>
+          <a:xfrm>
+            <a:off x="5617028" y="1393373"/>
+            <a:ext cx="5168749" cy="664028"/>
+          </a:xfrm>
+        </p:spPr>
+        <p:txBody>
+          <a:bodyPr>
+            <a:normAutofit/>
+          </a:bodyPr>
+          <a:lstStyle/>
+          <a:p>
+            <a:r>
               <a:rPr lang="en-US" sz="1800" dirty="0"/>
-              <a:t>DECISION TREES</a:t>
-            </a:r>
-          </a:p>
-        </p:txBody>
-      </p:sp>
-      <p:sp>
-        <p:nvSpPr>
-          <p:cNvPr id="6" name="Text Placeholder 5">
-            <a:extLst>
-              <a:ext uri="{FF2B5EF4-FFF2-40B4-BE49-F238E27FC236}">
-                <a16:creationId xmlns:a16="http://schemas.microsoft.com/office/drawing/2014/main" id="{7C70B10A-71E1-6149-2496-F8F7CC186153}"/>
-              </a:ext>
-            </a:extLst>
-          </p:cNvPr>
-          <p:cNvSpPr>
-            <a:spLocks noGrp="1"/>
-          </p:cNvSpPr>
-          <p:nvPr>
-            <p:ph type="body" sz="quarter" idx="28"/>
-          </p:nvPr>
-        </p:nvSpPr>
-        <p:spPr>
-          <a:xfrm>
-            <a:off x="3578089" y="3856382"/>
-            <a:ext cx="3565662" cy="3001618"/>
-          </a:xfrm>
-        </p:spPr>
-        <p:txBody>
-          <a:bodyPr/>
-          <a:lstStyle/>
-          <a:p>
-            <a:r>
-              <a:rPr lang="en-US" sz="1600" dirty="0"/>
-              <a:t>Logistic Regression is widely used for binary classification problems. It models the probability of a binary outcome using predictor variables. It's highly interpretable, making it easy to understand which factors influence decisions.</a:t>
+              <a:t>LOGISTIC REGRESSION APPROACH</a:t>
             </a:r>
           </a:p>
         </p:txBody>
       </p:sp>
       <p:pic>
         <p:nvPicPr>
-          <p:cNvPr id="11" name="Picture Placeholder 10">
-            <a:extLst>
-              <a:ext uri="{FF2B5EF4-FFF2-40B4-BE49-F238E27FC236}">
-                <a16:creationId xmlns:a16="http://schemas.microsoft.com/office/drawing/2014/main" id="{ABC80E42-2FBD-C1B6-7CDF-828687C4E377}"/>
+          <p:cNvPr id="22" name="Picture Placeholder 21">
+            <a:extLst>
+              <a:ext uri="{FF2B5EF4-FFF2-40B4-BE49-F238E27FC236}">
+                <a16:creationId xmlns:a16="http://schemas.microsoft.com/office/drawing/2014/main" id="{2C869E75-33C5-7794-4B47-4A7B18A26608}"/>
               </a:ext>
             </a:extLst>
           </p:cNvPr>
@@ -9987,114 +10448,28 @@
             <a:picLocks noGrp="1" noChangeAspect="1"/>
           </p:cNvPicPr>
           <p:nvPr>
-            <p:ph type="pic" sz="quarter" idx="32"/>
+            <p:ph type="pic" sz="quarter" idx="10"/>
           </p:nvPr>
         </p:nvPicPr>
         <p:blipFill>
-          <a:blip r:embed="rId2"/>
-          <a:srcRect l="32938" r="32938"/>
+          <a:blip r:embed="rId2">
+            <a:extLst>
+              <a:ext uri="{28A0092B-C50C-407E-A947-70E740481C1C}">
+                <a14:useLocalDpi xmlns:a14="http://schemas.microsoft.com/office/drawing/2010/main" val="0"/>
+              </a:ext>
+            </a:extLst>
+          </a:blip>
           <a:stretch>
             <a:fillRect/>
           </a:stretch>
         </p:blipFill>
-        <p:spPr/>
+        <p:spPr>
+          <a:xfrm>
+            <a:off x="3156841" y="1943713"/>
+            <a:ext cx="7848616" cy="4987545"/>
+          </a:xfrm>
+        </p:spPr>
       </p:pic>
-      <p:sp>
-        <p:nvSpPr>
-          <p:cNvPr id="8" name="Text Placeholder 7">
-            <a:extLst>
-              <a:ext uri="{FF2B5EF4-FFF2-40B4-BE49-F238E27FC236}">
-                <a16:creationId xmlns:a16="http://schemas.microsoft.com/office/drawing/2014/main" id="{5C695FD2-7240-D324-C126-CF9A61082749}"/>
-              </a:ext>
-            </a:extLst>
-          </p:cNvPr>
-          <p:cNvSpPr>
-            <a:spLocks noGrp="1"/>
-          </p:cNvSpPr>
-          <p:nvPr>
-            <p:ph type="body" sz="quarter" idx="33"/>
-          </p:nvPr>
-        </p:nvSpPr>
-        <p:spPr>
-          <a:xfrm>
-            <a:off x="7341751" y="1040130"/>
-            <a:ext cx="3808496" cy="2548890"/>
-          </a:xfrm>
-        </p:spPr>
-        <p:txBody>
-          <a:bodyPr/>
-          <a:lstStyle/>
-          <a:p>
-            <a:r>
-              <a:rPr lang="en-US" sz="1600" dirty="0"/>
-              <a:t>Decision Trees split the data into subsets based on value criteria, providing visually interpretable models. They capture interactions among predictor variables efficiently.</a:t>
-            </a:r>
-          </a:p>
-        </p:txBody>
-      </p:sp>
-      <p:pic>
-        <p:nvPicPr>
-          <p:cNvPr id="12" name="Picture Placeholder 11">
-            <a:extLst>
-              <a:ext uri="{FF2B5EF4-FFF2-40B4-BE49-F238E27FC236}">
-                <a16:creationId xmlns:a16="http://schemas.microsoft.com/office/drawing/2014/main" id="{8D30CA65-0875-5060-E355-1AEFC2094F2B}"/>
-              </a:ext>
-            </a:extLst>
-          </p:cNvPr>
-          <p:cNvPicPr>
-            <a:picLocks noGrp="1" noChangeAspect="1"/>
-          </p:cNvPicPr>
-          <p:nvPr>
-            <p:ph type="pic" sz="quarter" idx="34"/>
-          </p:nvPr>
-        </p:nvPicPr>
-        <p:blipFill>
-          <a:blip r:embed="rId3"/>
-          <a:srcRect l="16392" r="16392"/>
-          <a:stretch>
-            <a:fillRect/>
-          </a:stretch>
-        </p:blipFill>
-        <p:spPr>
-          <a:xfrm>
-            <a:off x="7259906" y="3360557"/>
-            <a:ext cx="3491547" cy="3072326"/>
-          </a:xfrm>
-        </p:spPr>
-      </p:pic>
-      <p:sp>
-        <p:nvSpPr>
-          <p:cNvPr id="10" name="Text Placeholder 9">
-            <a:extLst>
-              <a:ext uri="{FF2B5EF4-FFF2-40B4-BE49-F238E27FC236}">
-                <a16:creationId xmlns:a16="http://schemas.microsoft.com/office/drawing/2014/main" id="{A3B76D76-1418-F4EE-DA14-4D77DDDE9D03}"/>
-              </a:ext>
-            </a:extLst>
-          </p:cNvPr>
-          <p:cNvSpPr>
-            <a:spLocks noGrp="1"/>
-          </p:cNvSpPr>
-          <p:nvPr>
-            <p:ph type="body" sz="quarter" idx="35"/>
-          </p:nvPr>
-        </p:nvSpPr>
-        <p:spPr>
-          <a:xfrm>
-            <a:off x="3450476" y="2880360"/>
-            <a:ext cx="3859789" cy="905314"/>
-          </a:xfrm>
-        </p:spPr>
-        <p:txBody>
-          <a:bodyPr/>
-          <a:lstStyle/>
-          <a:p>
-            <a:r>
-              <a:rPr lang="en-US" sz="1800" dirty="0"/>
-              <a:t>LOGISTIC REGRESSION APPROACH</a:t>
-            </a:r>
-          </a:p>
-        </p:txBody>
-      </p:sp>
     </p:spTree>
     <p:extLst>
       <p:ext uri="{BB962C8B-B14F-4D97-AF65-F5344CB8AC3E}">
@@ -10109,6 +10484,239 @@
 </file>
 
 <file path=ppt/slides/slide8.xml><?xml version="1.0" encoding="utf-8"?>
+<p:sld xmlns:a="http://schemas.openxmlformats.org/drawingml/2006/main" xmlns:r="http://schemas.openxmlformats.org/officeDocument/2006/relationships" xmlns:p="http://schemas.openxmlformats.org/presentationml/2006/main">
+  <p:cSld>
+    <p:spTree>
+      <p:nvGrpSpPr>
+        <p:cNvPr id="1" name="">
+          <a:extLst>
+            <a:ext uri="{FF2B5EF4-FFF2-40B4-BE49-F238E27FC236}">
+              <a16:creationId xmlns:a16="http://schemas.microsoft.com/office/drawing/2014/main" id="{D7E69C8C-5F61-2E11-ADA0-8A67FCF5E026}"/>
+            </a:ext>
+          </a:extLst>
+        </p:cNvPr>
+        <p:cNvGrpSpPr/>
+        <p:nvPr/>
+      </p:nvGrpSpPr>
+      <p:grpSpPr>
+        <a:xfrm>
+          <a:off x="0" y="0"/>
+          <a:ext cx="0" cy="0"/>
+          <a:chOff x="0" y="0"/>
+          <a:chExt cx="0" cy="0"/>
+        </a:xfrm>
+      </p:grpSpPr>
+      <p:sp>
+        <p:nvSpPr>
+          <p:cNvPr id="2" name="Footer Placeholder 1">
+            <a:extLst>
+              <a:ext uri="{FF2B5EF4-FFF2-40B4-BE49-F238E27FC236}">
+                <a16:creationId xmlns:a16="http://schemas.microsoft.com/office/drawing/2014/main" id="{22644839-9F3B-A4A8-D7AA-DEFF72A58EB6}"/>
+              </a:ext>
+            </a:extLst>
+          </p:cNvPr>
+          <p:cNvSpPr>
+            <a:spLocks noGrp="1"/>
+          </p:cNvSpPr>
+          <p:nvPr>
+            <p:ph type="ftr" sz="quarter" idx="15"/>
+          </p:nvPr>
+        </p:nvSpPr>
+        <p:spPr/>
+        <p:txBody>
+          <a:bodyPr/>
+          <a:lstStyle/>
+          <a:p>
+            <a:r>
+              <a:rPr lang="en-US"/>
+              <a:t>Predicting Vaccine Uptake</a:t>
+            </a:r>
+            <a:endParaRPr lang="en-ID" dirty="0"/>
+          </a:p>
+        </p:txBody>
+      </p:sp>
+      <p:sp>
+        <p:nvSpPr>
+          <p:cNvPr id="3" name="Slide Number Placeholder 2">
+            <a:extLst>
+              <a:ext uri="{FF2B5EF4-FFF2-40B4-BE49-F238E27FC236}">
+                <a16:creationId xmlns:a16="http://schemas.microsoft.com/office/drawing/2014/main" id="{08A26F8C-BCB4-0E90-88EC-4EFE032F12F0}"/>
+              </a:ext>
+            </a:extLst>
+          </p:cNvPr>
+          <p:cNvSpPr>
+            <a:spLocks noGrp="1"/>
+          </p:cNvSpPr>
+          <p:nvPr>
+            <p:ph type="sldNum" sz="quarter" idx="16"/>
+          </p:nvPr>
+        </p:nvSpPr>
+        <p:spPr/>
+        <p:txBody>
+          <a:bodyPr/>
+          <a:lstStyle/>
+          <a:p>
+            <a:fld id="{5E0C3BBE-9543-48E5-A6E1-C646F9A01966}" type="slidenum">
+              <a:rPr lang="en-ID" smtClean="0"/>
+              <a:pPr/>
+              <a:t>8</a:t>
+            </a:fld>
+            <a:endParaRPr lang="en-ID" dirty="0"/>
+          </a:p>
+        </p:txBody>
+      </p:sp>
+      <p:sp>
+        <p:nvSpPr>
+          <p:cNvPr id="4" name="Title 3">
+            <a:extLst>
+              <a:ext uri="{FF2B5EF4-FFF2-40B4-BE49-F238E27FC236}">
+                <a16:creationId xmlns:a16="http://schemas.microsoft.com/office/drawing/2014/main" id="{23AEE89E-B6F0-527C-2647-1BBB0A311464}"/>
+              </a:ext>
+            </a:extLst>
+          </p:cNvPr>
+          <p:cNvSpPr>
+            <a:spLocks noGrp="1"/>
+          </p:cNvSpPr>
+          <p:nvPr>
+            <p:ph type="ctrTitle"/>
+          </p:nvPr>
+        </p:nvSpPr>
+        <p:spPr>
+          <a:xfrm>
+            <a:off x="2993570" y="130630"/>
+            <a:ext cx="6901543" cy="1110341"/>
+          </a:xfrm>
+        </p:spPr>
+        <p:txBody>
+          <a:bodyPr/>
+          <a:lstStyle/>
+          <a:p>
+            <a:r>
+              <a:rPr lang="en-US" dirty="0"/>
+              <a:t>Modeling Techniques</a:t>
+            </a:r>
+          </a:p>
+        </p:txBody>
+      </p:sp>
+      <p:sp>
+        <p:nvSpPr>
+          <p:cNvPr id="8" name="Text Placeholder 7">
+            <a:extLst>
+              <a:ext uri="{FF2B5EF4-FFF2-40B4-BE49-F238E27FC236}">
+                <a16:creationId xmlns:a16="http://schemas.microsoft.com/office/drawing/2014/main" id="{5554D8CC-1064-0A7A-DFB3-39B9AE3BBC8F}"/>
+              </a:ext>
+            </a:extLst>
+          </p:cNvPr>
+          <p:cNvSpPr>
+            <a:spLocks noGrp="1"/>
+          </p:cNvSpPr>
+          <p:nvPr>
+            <p:ph type="body" sz="quarter" idx="4294967295"/>
+          </p:nvPr>
+        </p:nvSpPr>
+        <p:spPr>
+          <a:xfrm>
+            <a:off x="206830" y="2764972"/>
+            <a:ext cx="2427513" cy="3875314"/>
+          </a:xfrm>
+        </p:spPr>
+        <p:txBody>
+          <a:bodyPr>
+            <a:normAutofit/>
+          </a:bodyPr>
+          <a:lstStyle/>
+          <a:p>
+            <a:r>
+              <a:rPr lang="en-US" sz="1600" b="0" dirty="0"/>
+              <a:t>Decision Trees split the data into subsets based on value criteria, providing visually interpretable models. They capture interactions among predictor variables efficiently.</a:t>
+            </a:r>
+          </a:p>
+        </p:txBody>
+      </p:sp>
+      <p:sp>
+        <p:nvSpPr>
+          <p:cNvPr id="10" name="Text Placeholder 9">
+            <a:extLst>
+              <a:ext uri="{FF2B5EF4-FFF2-40B4-BE49-F238E27FC236}">
+                <a16:creationId xmlns:a16="http://schemas.microsoft.com/office/drawing/2014/main" id="{CB9270DF-932D-FEA3-AB58-26537F36A6CD}"/>
+              </a:ext>
+            </a:extLst>
+          </p:cNvPr>
+          <p:cNvSpPr>
+            <a:spLocks noGrp="1"/>
+          </p:cNvSpPr>
+          <p:nvPr>
+            <p:ph type="body" sz="quarter" idx="4294967295"/>
+          </p:nvPr>
+        </p:nvSpPr>
+        <p:spPr>
+          <a:xfrm>
+            <a:off x="5050971" y="1240971"/>
+            <a:ext cx="5855057" cy="849086"/>
+          </a:xfrm>
+        </p:spPr>
+        <p:txBody>
+          <a:bodyPr>
+            <a:normAutofit/>
+          </a:bodyPr>
+          <a:lstStyle/>
+          <a:p>
+            <a:r>
+              <a:rPr lang="en-US" sz="1800" dirty="0"/>
+              <a:t>DECISION TREES</a:t>
+            </a:r>
+          </a:p>
+        </p:txBody>
+      </p:sp>
+      <p:pic>
+        <p:nvPicPr>
+          <p:cNvPr id="18" name="Picture Placeholder 17">
+            <a:extLst>
+              <a:ext uri="{FF2B5EF4-FFF2-40B4-BE49-F238E27FC236}">
+                <a16:creationId xmlns:a16="http://schemas.microsoft.com/office/drawing/2014/main" id="{8163CDD6-2AAD-685D-CD16-0897E6877520}"/>
+              </a:ext>
+            </a:extLst>
+          </p:cNvPr>
+          <p:cNvPicPr>
+            <a:picLocks noGrp="1" noChangeAspect="1"/>
+          </p:cNvPicPr>
+          <p:nvPr>
+            <p:ph type="pic" sz="quarter" idx="10"/>
+          </p:nvPr>
+        </p:nvPicPr>
+        <p:blipFill>
+          <a:blip r:embed="rId2">
+            <a:extLst>
+              <a:ext uri="{28A0092B-C50C-407E-A947-70E740481C1C}">
+                <a14:useLocalDpi xmlns:a14="http://schemas.microsoft.com/office/drawing/2010/main" val="0"/>
+              </a:ext>
+            </a:extLst>
+          </a:blip>
+          <a:stretch>
+            <a:fillRect/>
+          </a:stretch>
+        </p:blipFill>
+        <p:spPr>
+          <a:xfrm>
+            <a:off x="2830287" y="2438400"/>
+            <a:ext cx="8233931" cy="4419600"/>
+          </a:xfrm>
+        </p:spPr>
+      </p:pic>
+    </p:spTree>
+    <p:extLst>
+      <p:ext uri="{BB962C8B-B14F-4D97-AF65-F5344CB8AC3E}">
+        <p14:creationId xmlns:p14="http://schemas.microsoft.com/office/powerpoint/2010/main" val="3870818455"/>
+      </p:ext>
+    </p:extLst>
+  </p:cSld>
+  <p:clrMapOvr>
+    <a:masterClrMapping/>
+  </p:clrMapOvr>
+</p:sld>
+</file>
+
+<file path=ppt/slides/slide9.xml><?xml version="1.0" encoding="utf-8"?>
 <p:sld xmlns:a="http://schemas.openxmlformats.org/drawingml/2006/main" xmlns:r="http://schemas.openxmlformats.org/officeDocument/2006/relationships" xmlns:p="http://schemas.openxmlformats.org/presentationml/2006/main">
   <p:cSld>
     <p:spTree>
@@ -10213,7 +10821,7 @@
             <a:fld id="{5E0C3BBE-9543-48E5-A6E1-C646F9A01966}" type="slidenum">
               <a:rPr lang="en-ID" smtClean="0"/>
               <a:pPr/>
-              <a:t>8</a:t>
+              <a:t>9</a:t>
             </a:fld>
             <a:endParaRPr lang="en-ID" dirty="0"/>
           </a:p>
@@ -10256,288 +10864,6 @@
     <p:extLst>
       <p:ext uri="{BB962C8B-B14F-4D97-AF65-F5344CB8AC3E}">
         <p14:creationId xmlns:p14="http://schemas.microsoft.com/office/powerpoint/2010/main" val="2341526689"/>
-      </p:ext>
-    </p:extLst>
-  </p:cSld>
-  <p:clrMapOvr>
-    <a:masterClrMapping/>
-  </p:clrMapOvr>
-</p:sld>
-</file>
-
-<file path=ppt/slides/slide9.xml><?xml version="1.0" encoding="utf-8"?>
-<p:sld xmlns:a="http://schemas.openxmlformats.org/drawingml/2006/main" xmlns:r="http://schemas.openxmlformats.org/officeDocument/2006/relationships" xmlns:p="http://schemas.openxmlformats.org/presentationml/2006/main">
-  <p:cSld name="Slide 1">
-    <p:bg>
-      <p:bgPr>
-        <a:blipFill dpi="0" rotWithShape="1">
-          <a:blip r:embed="rId3">
-            <a:lum/>
-            <a:extLst>
-              <a:ext uri="{96DAC541-7B7A-43D3-8B79-37D633B846F1}">
-                <asvg:svgBlip xmlns:asvg="http://schemas.microsoft.com/office/drawing/2016/SVG/main" r:embed="rId4"/>
-              </a:ext>
-            </a:extLst>
-          </a:blip>
-          <a:srcRect/>
-          <a:stretch>
-            <a:fillRect/>
-          </a:stretch>
-        </a:blipFill>
-        <a:effectLst/>
-      </p:bgPr>
-    </p:bg>
-    <p:spTree>
-      <p:nvGrpSpPr>
-        <p:cNvPr id="1" name=""/>
-        <p:cNvGrpSpPr/>
-        <p:nvPr/>
-      </p:nvGrpSpPr>
-      <p:grpSpPr>
-        <a:xfrm>
-          <a:off x="0" y="0"/>
-          <a:ext cx="0" cy="0"/>
-          <a:chOff x="0" y="0"/>
-          <a:chExt cx="0" cy="0"/>
-        </a:xfrm>
-      </p:grpSpPr>
-      <p:graphicFrame>
-        <p:nvGraphicFramePr>
-          <p:cNvPr id="2" name="Chart 0"/>
-          <p:cNvGraphicFramePr/>
-          <p:nvPr>
-            <p:extLst>
-              <p:ext uri="{D42A27DB-BD31-4B8C-83A1-F6EECF244321}">
-                <p14:modId xmlns:p14="http://schemas.microsoft.com/office/powerpoint/2010/main" val="3604028572"/>
-              </p:ext>
-            </p:extLst>
-          </p:nvPr>
-        </p:nvGraphicFramePr>
-        <p:xfrm>
-          <a:off x="4838700" y="1917700"/>
-          <a:ext cx="1816100" cy="1816100"/>
-        </p:xfrm>
-        <a:graphic>
-          <a:graphicData uri="http://schemas.openxmlformats.org/drawingml/2006/chart">
-            <c:chart xmlns:c="http://schemas.openxmlformats.org/drawingml/2006/chart" xmlns:r="http://schemas.openxmlformats.org/officeDocument/2006/relationships" r:id="rId5"/>
-          </a:graphicData>
-        </a:graphic>
-      </p:graphicFrame>
-      <p:sp>
-        <p:nvSpPr>
-          <p:cNvPr id="25" name="Slide Number Placeholder 0"/>
-          <p:cNvSpPr>
-            <a:spLocks noGrp="1"/>
-          </p:cNvSpPr>
-          <p:nvPr>
-            <p:ph type="sldNum" sz="quarter" idx="4294967295"/>
-          </p:nvPr>
-        </p:nvSpPr>
-        <p:spPr>
-          <a:prstGeom prst="rect">
-            <a:avLst/>
-          </a:prstGeom>
-          <a:extLst>
-            <a:ext uri="{C572A759-6A51-4108-AA02-DFA0A04FC94B}">
-              <ma14:wrappingTextBoxFlag xmlns="" xmlns:ma14="http://schemas.microsoft.com/office/mac/drawingml/2011/main" val="0"/>
-            </a:ext>
-          </a:extLst>
-        </p:spPr>
-        <p:txBody>
-          <a:bodyPr anchor="ctr" anchorCtr="0"/>
-          <a:lstStyle>
-            <a:lvl1pPr marL="0" algn="l" defTabSz="1625519" rtl="0" eaLnBrk="1" latinLnBrk="0" hangingPunct="1">
-              <a:defRPr sz="3200" kern="1200">
-                <a:solidFill>
-                  <a:schemeClr val="tx1"/>
-                </a:solidFill>
-                <a:latin typeface="+mn-lt"/>
-                <a:ea typeface="+mn-ea"/>
-                <a:cs typeface="+mn-cs"/>
-              </a:defRPr>
-            </a:lvl1pPr>
-            <a:lvl2pPr marL="812760" algn="l" defTabSz="1625519" rtl="0" eaLnBrk="1" latinLnBrk="0" hangingPunct="1">
-              <a:defRPr sz="3200" kern="1200">
-                <a:solidFill>
-                  <a:schemeClr val="tx1"/>
-                </a:solidFill>
-                <a:latin typeface="+mn-lt"/>
-                <a:ea typeface="+mn-ea"/>
-                <a:cs typeface="+mn-cs"/>
-              </a:defRPr>
-            </a:lvl2pPr>
-            <a:lvl3pPr marL="1625519" algn="l" defTabSz="1625519" rtl="0" eaLnBrk="1" latinLnBrk="0" hangingPunct="1">
-              <a:defRPr sz="3200" kern="1200">
-                <a:solidFill>
-                  <a:schemeClr val="tx1"/>
-                </a:solidFill>
-                <a:latin typeface="+mn-lt"/>
-                <a:ea typeface="+mn-ea"/>
-                <a:cs typeface="+mn-cs"/>
-              </a:defRPr>
-            </a:lvl3pPr>
-            <a:lvl4pPr marL="2438278" algn="l" defTabSz="1625519" rtl="0" eaLnBrk="1" latinLnBrk="0" hangingPunct="1">
-              <a:defRPr sz="3200" kern="1200">
-                <a:solidFill>
-                  <a:schemeClr val="tx1"/>
-                </a:solidFill>
-                <a:latin typeface="+mn-lt"/>
-                <a:ea typeface="+mn-ea"/>
-                <a:cs typeface="+mn-cs"/>
-              </a:defRPr>
-            </a:lvl4pPr>
-            <a:lvl5pPr marL="3251037" algn="l" defTabSz="1625519" rtl="0" eaLnBrk="1" latinLnBrk="0" hangingPunct="1">
-              <a:defRPr sz="3200" kern="1200">
-                <a:solidFill>
-                  <a:schemeClr val="tx1"/>
-                </a:solidFill>
-                <a:latin typeface="+mn-lt"/>
-                <a:ea typeface="+mn-ea"/>
-                <a:cs typeface="+mn-cs"/>
-              </a:defRPr>
-            </a:lvl5pPr>
-            <a:lvl6pPr marL="4063797" algn="l" defTabSz="1625519" rtl="0" eaLnBrk="1" latinLnBrk="0" hangingPunct="1">
-              <a:defRPr sz="3200" kern="1200">
-                <a:solidFill>
-                  <a:schemeClr val="tx1"/>
-                </a:solidFill>
-                <a:latin typeface="+mn-lt"/>
-                <a:ea typeface="+mn-ea"/>
-                <a:cs typeface="+mn-cs"/>
-              </a:defRPr>
-            </a:lvl6pPr>
-            <a:lvl7pPr marL="4876557" algn="l" defTabSz="1625519" rtl="0" eaLnBrk="1" latinLnBrk="0" hangingPunct="1">
-              <a:defRPr sz="3200" kern="1200">
-                <a:solidFill>
-                  <a:schemeClr val="tx1"/>
-                </a:solidFill>
-                <a:latin typeface="+mn-lt"/>
-                <a:ea typeface="+mn-ea"/>
-                <a:cs typeface="+mn-cs"/>
-              </a:defRPr>
-            </a:lvl7pPr>
-            <a:lvl8pPr marL="5689315" algn="l" defTabSz="1625519" rtl="0" eaLnBrk="1" latinLnBrk="0" hangingPunct="1">
-              <a:defRPr sz="3200" kern="1200">
-                <a:solidFill>
-                  <a:schemeClr val="tx1"/>
-                </a:solidFill>
-                <a:latin typeface="+mn-lt"/>
-                <a:ea typeface="+mn-ea"/>
-                <a:cs typeface="+mn-cs"/>
-              </a:defRPr>
-            </a:lvl8pPr>
-            <a:lvl9pPr marL="6502075" algn="l" defTabSz="1625519" rtl="0" eaLnBrk="1" latinLnBrk="0" hangingPunct="1">
-              <a:defRPr sz="3200" kern="1200">
-                <a:solidFill>
-                  <a:schemeClr val="tx1"/>
-                </a:solidFill>
-                <a:latin typeface="+mn-lt"/>
-                <a:ea typeface="+mn-ea"/>
-                <a:cs typeface="+mn-cs"/>
-              </a:defRPr>
-            </a:lvl9pPr>
-          </a:lstStyle>
-          <a:p>
-            <a:pPr algn="ctr"/>
-            <a:fld id="{F7021451-1387-4CA6-816F-3879F97B5CBC}" type="slidenum">
-              <a:rPr lang="en-US" sz="1200" b="0">
-                <a:solidFill>
-                  <a:srgbClr val="FF4D00"/>
-                </a:solidFill>
-                <a:latin typeface="Open Sans"/>
-                <a:ea typeface="Open Sans"/>
-                <a:cs typeface="Open Sans"/>
-              </a:rPr>
-              <a:pPr algn="ctr"/>
-              <a:t>9</a:t>
-            </a:fld>
-            <a:endParaRPr lang="en-US" sz="1200">
-              <a:solidFill>
-                <a:srgbClr val="FF4D00"/>
-              </a:solidFill>
-              <a:latin typeface="Open Sans"/>
-              <a:ea typeface="Open Sans"/>
-              <a:cs typeface="Open Sans"/>
-            </a:endParaRPr>
-          </a:p>
-        </p:txBody>
-      </p:sp>
-      <p:pic>
-        <p:nvPicPr>
-          <p:cNvPr id="20" name="Picture Placeholder 19">
-            <a:extLst>
-              <a:ext uri="{FF2B5EF4-FFF2-40B4-BE49-F238E27FC236}">
-                <a16:creationId xmlns:a16="http://schemas.microsoft.com/office/drawing/2014/main" id="{F1DB48A0-BC89-0BA6-4E65-B00F0D862FFB}"/>
-              </a:ext>
-            </a:extLst>
-          </p:cNvPr>
-          <p:cNvPicPr preferRelativeResize="0">
-            <a:picLocks noGrp="1"/>
-          </p:cNvPicPr>
-          <p:nvPr>
-            <p:ph type="pic" sz="quarter" idx="4294967295"/>
-          </p:nvPr>
-        </p:nvPicPr>
-        <p:blipFill>
-          <a:blip r:embed="rId6">
-            <a:extLst>
-              <a:ext uri="{28A0092B-C50C-407E-A947-70E740481C1C}">
-                <a14:useLocalDpi xmlns:a14="http://schemas.microsoft.com/office/drawing/2010/main" val="0"/>
-              </a:ext>
-            </a:extLst>
-          </a:blip>
-          <a:stretch>
-            <a:fillRect/>
-          </a:stretch>
-        </p:blipFill>
-        <p:spPr>
-          <a:xfrm>
-            <a:off x="311944" y="1258443"/>
-            <a:ext cx="10869612" cy="5384800"/>
-          </a:xfrm>
-        </p:spPr>
-      </p:pic>
-      <p:sp>
-        <p:nvSpPr>
-          <p:cNvPr id="4" name="TextBox 3">
-            <a:extLst>
-              <a:ext uri="{FF2B5EF4-FFF2-40B4-BE49-F238E27FC236}">
-                <a16:creationId xmlns:a16="http://schemas.microsoft.com/office/drawing/2014/main" id="{B562C4B9-7CC8-4785-97B9-25324F4ECC28}"/>
-              </a:ext>
-            </a:extLst>
-          </p:cNvPr>
-          <p:cNvSpPr txBox="1"/>
-          <p:nvPr/>
-        </p:nvSpPr>
-        <p:spPr>
-          <a:xfrm>
-            <a:off x="794657" y="444501"/>
-            <a:ext cx="6803572" cy="769441"/>
-          </a:xfrm>
-          <a:prstGeom prst="rect">
-            <a:avLst/>
-          </a:prstGeom>
-          <a:noFill/>
-        </p:spPr>
-        <p:txBody>
-          <a:bodyPr vertOverflow="overflow" vert="horz" wrap="square" rtlCol="0" anchor="t" anchorCtr="0">
-            <a:spAutoFit/>
-          </a:bodyPr>
-          <a:lstStyle/>
-          <a:p>
-            <a:r>
-              <a:rPr lang="en-US" sz="4400" dirty="0">
-                <a:latin typeface="Montserrat ExtraBold"/>
-              </a:rPr>
-              <a:t>Performance Metrics</a:t>
-            </a:r>
-          </a:p>
-        </p:txBody>
-      </p:sp>
-    </p:spTree>
-    <p:extLst>
-      <p:ext uri="{BB962C8B-B14F-4D97-AF65-F5344CB8AC3E}">
-        <p14:creationId xmlns:p14="http://schemas.microsoft.com/office/powerpoint/2010/main" val="2208306809"/>
       </p:ext>
     </p:extLst>
   </p:cSld>
